--- a/output/PresentationSlide-2.pptx
+++ b/output/PresentationSlide-2.pptx
@@ -8,6 +8,7 @@
     <p:sldId id="256" r:id="rId2"/>
     <p:sldId id="257" r:id="rId3"/>
     <p:sldId id="258" r:id="rId4"/>
+    <p:sldId id="260" r:id="rId5"/>
   </p:sldIdLst>
   <p:sldSz cx="12192000" cy="6858000"/>
   <p:notesSz cx="6858000" cy="9144000"/>
@@ -7438,6 +7439,1148 @@
 </p:sld>
 </file>
 
+<file path=ppt/slides/slide4.xml><?xml version="1.0" encoding="utf-8"?>
+<p:sld xmlns:a="http://schemas.openxmlformats.org/drawingml/2006/main" xmlns:r="http://schemas.openxmlformats.org/officeDocument/2006/relationships" xmlns:p="http://schemas.openxmlformats.org/presentationml/2006/main">
+  <p:cSld>
+    <p:spTree>
+      <p:nvGrpSpPr>
+        <p:cNvPr id="1" name=""/>
+        <p:cNvGrpSpPr/>
+        <p:nvPr/>
+      </p:nvGrpSpPr>
+      <p:grpSpPr>
+        <a:xfrm>
+          <a:off x="0" y="0"/>
+          <a:ext cx="0" cy="0"/>
+          <a:chOff x="0" y="0"/>
+          <a:chExt cx="0" cy="0"/>
+        </a:xfrm>
+      </p:grpSpPr>
+      <p:sp>
+        <p:nvSpPr>
+          <p:cNvPr id="5" name="TextBox 4">
+            <a:extLst>
+              <a:ext uri="{FF2B5EF4-FFF2-40B4-BE49-F238E27FC236}">
+                <a16:creationId xmlns:a16="http://schemas.microsoft.com/office/drawing/2014/main" id="{E618A879-07CD-4346-87B2-78C6583069E6}"/>
+              </a:ext>
+            </a:extLst>
+          </p:cNvPr>
+          <p:cNvSpPr txBox="1"/>
+          <p:nvPr/>
+        </p:nvSpPr>
+        <p:spPr>
+          <a:xfrm>
+            <a:off x="228601" y="188844"/>
+            <a:ext cx="10396329" cy="338554"/>
+          </a:xfrm>
+          <a:prstGeom prst="rect">
+            <a:avLst/>
+          </a:prstGeom>
+          <a:noFill/>
+        </p:spPr>
+        <p:txBody>
+          <a:bodyPr wrap="square" rtlCol="0">
+            <a:spAutoFit/>
+          </a:bodyPr>
+          <a:lstStyle/>
+          <a:p>
+            <a:r>
+              <a:rPr lang="en-US" sz="1600" dirty="0" err="1"/>
+              <a:t>XGBoost</a:t>
+            </a:r>
+            <a:r>
+              <a:rPr lang="en-US" sz="1600" dirty="0"/>
+              <a:t> (“Extreme Gradient Boosting”) used as regressor for predicting Total BTU and Dollar</a:t>
+            </a:r>
+          </a:p>
+        </p:txBody>
+      </p:sp>
+      <p:sp>
+        <p:nvSpPr>
+          <p:cNvPr id="27" name="Freeform: Shape 26">
+            <a:extLst>
+              <a:ext uri="{FF2B5EF4-FFF2-40B4-BE49-F238E27FC236}">
+                <a16:creationId xmlns:a16="http://schemas.microsoft.com/office/drawing/2014/main" id="{08A6CB71-224C-4627-9A69-EB399C26D260}"/>
+              </a:ext>
+            </a:extLst>
+          </p:cNvPr>
+          <p:cNvSpPr/>
+          <p:nvPr/>
+        </p:nvSpPr>
+        <p:spPr>
+          <a:xfrm>
+            <a:off x="228601" y="591636"/>
+            <a:ext cx="2166729" cy="892963"/>
+          </a:xfrm>
+          <a:custGeom>
+            <a:avLst/>
+            <a:gdLst>
+              <a:gd name="connsiteX0" fmla="*/ 0 w 2357070"/>
+              <a:gd name="connsiteY0" fmla="*/ 275034 h 1649872"/>
+              <a:gd name="connsiteX1" fmla="*/ 275034 w 2357070"/>
+              <a:gd name="connsiteY1" fmla="*/ 0 h 1649872"/>
+              <a:gd name="connsiteX2" fmla="*/ 2082036 w 2357070"/>
+              <a:gd name="connsiteY2" fmla="*/ 0 h 1649872"/>
+              <a:gd name="connsiteX3" fmla="*/ 2357070 w 2357070"/>
+              <a:gd name="connsiteY3" fmla="*/ 275034 h 1649872"/>
+              <a:gd name="connsiteX4" fmla="*/ 2357070 w 2357070"/>
+              <a:gd name="connsiteY4" fmla="*/ 1374838 h 1649872"/>
+              <a:gd name="connsiteX5" fmla="*/ 2082036 w 2357070"/>
+              <a:gd name="connsiteY5" fmla="*/ 1649872 h 1649872"/>
+              <a:gd name="connsiteX6" fmla="*/ 275034 w 2357070"/>
+              <a:gd name="connsiteY6" fmla="*/ 1649872 h 1649872"/>
+              <a:gd name="connsiteX7" fmla="*/ 0 w 2357070"/>
+              <a:gd name="connsiteY7" fmla="*/ 1374838 h 1649872"/>
+              <a:gd name="connsiteX8" fmla="*/ 0 w 2357070"/>
+              <a:gd name="connsiteY8" fmla="*/ 275034 h 1649872"/>
+            </a:gdLst>
+            <a:ahLst/>
+            <a:cxnLst>
+              <a:cxn ang="0">
+                <a:pos x="connsiteX0" y="connsiteY0"/>
+              </a:cxn>
+              <a:cxn ang="0">
+                <a:pos x="connsiteX1" y="connsiteY1"/>
+              </a:cxn>
+              <a:cxn ang="0">
+                <a:pos x="connsiteX2" y="connsiteY2"/>
+              </a:cxn>
+              <a:cxn ang="0">
+                <a:pos x="connsiteX3" y="connsiteY3"/>
+              </a:cxn>
+              <a:cxn ang="0">
+                <a:pos x="connsiteX4" y="connsiteY4"/>
+              </a:cxn>
+              <a:cxn ang="0">
+                <a:pos x="connsiteX5" y="connsiteY5"/>
+              </a:cxn>
+              <a:cxn ang="0">
+                <a:pos x="connsiteX6" y="connsiteY6"/>
+              </a:cxn>
+              <a:cxn ang="0">
+                <a:pos x="connsiteX7" y="connsiteY7"/>
+              </a:cxn>
+              <a:cxn ang="0">
+                <a:pos x="connsiteX8" y="connsiteY8"/>
+              </a:cxn>
+            </a:cxnLst>
+            <a:rect l="l" t="t" r="r" b="b"/>
+            <a:pathLst>
+              <a:path w="2357070" h="1649872">
+                <a:moveTo>
+                  <a:pt x="0" y="275034"/>
+                </a:moveTo>
+                <a:cubicBezTo>
+                  <a:pt x="0" y="123137"/>
+                  <a:pt x="123137" y="0"/>
+                  <a:pt x="275034" y="0"/>
+                </a:cubicBezTo>
+                <a:lnTo>
+                  <a:pt x="2082036" y="0"/>
+                </a:lnTo>
+                <a:cubicBezTo>
+                  <a:pt x="2233933" y="0"/>
+                  <a:pt x="2357070" y="123137"/>
+                  <a:pt x="2357070" y="275034"/>
+                </a:cubicBezTo>
+                <a:lnTo>
+                  <a:pt x="2357070" y="1374838"/>
+                </a:lnTo>
+                <a:cubicBezTo>
+                  <a:pt x="2357070" y="1526735"/>
+                  <a:pt x="2233933" y="1649872"/>
+                  <a:pt x="2082036" y="1649872"/>
+                </a:cubicBezTo>
+                <a:lnTo>
+                  <a:pt x="275034" y="1649872"/>
+                </a:lnTo>
+                <a:cubicBezTo>
+                  <a:pt x="123137" y="1649872"/>
+                  <a:pt x="0" y="1526735"/>
+                  <a:pt x="0" y="1374838"/>
+                </a:cubicBezTo>
+                <a:lnTo>
+                  <a:pt x="0" y="275034"/>
+                </a:lnTo>
+                <a:close/>
+              </a:path>
+            </a:pathLst>
+          </a:custGeom>
+          <a:noFill/>
+          <a:ln>
+            <a:solidFill>
+              <a:schemeClr val="accent1"/>
+            </a:solidFill>
+          </a:ln>
+        </p:spPr>
+        <p:style>
+          <a:lnRef idx="2">
+            <a:schemeClr val="lt1">
+              <a:hueOff val="0"/>
+              <a:satOff val="0"/>
+              <a:lumOff val="0"/>
+              <a:alphaOff val="0"/>
+            </a:schemeClr>
+          </a:lnRef>
+          <a:fillRef idx="1">
+            <a:schemeClr val="accent1">
+              <a:hueOff val="0"/>
+              <a:satOff val="0"/>
+              <a:lumOff val="0"/>
+              <a:alphaOff val="0"/>
+            </a:schemeClr>
+          </a:fillRef>
+          <a:effectRef idx="0">
+            <a:schemeClr val="accent1">
+              <a:hueOff val="0"/>
+              <a:satOff val="0"/>
+              <a:lumOff val="0"/>
+              <a:alphaOff val="0"/>
+            </a:schemeClr>
+          </a:effectRef>
+          <a:fontRef idx="minor">
+            <a:schemeClr val="lt1"/>
+          </a:fontRef>
+        </p:style>
+        <p:txBody>
+          <a:bodyPr spcFirstLastPara="0" vert="horz" wrap="square" lIns="133895" tIns="133895" rIns="133895" bIns="133895" numCol="1" spcCol="1270" anchor="ctr" anchorCtr="0">
+            <a:noAutofit/>
+          </a:bodyPr>
+          <a:lstStyle/>
+          <a:p>
+            <a:pPr marL="0" lvl="0" indent="0" algn="l" defTabSz="622300">
+              <a:lnSpc>
+                <a:spcPct val="90000"/>
+              </a:lnSpc>
+              <a:spcBef>
+                <a:spcPct val="0"/>
+              </a:spcBef>
+              <a:spcAft>
+                <a:spcPct val="35000"/>
+              </a:spcAft>
+              <a:buNone/>
+            </a:pPr>
+            <a:r>
+              <a:rPr lang="en-US" sz="1200" b="1" kern="1200" dirty="0">
+                <a:solidFill>
+                  <a:schemeClr val="tx1"/>
+                </a:solidFill>
+              </a:rPr>
+              <a:t>Step 1</a:t>
+            </a:r>
+            <a:r>
+              <a:rPr lang="en-US" sz="1200" kern="1200" dirty="0">
+                <a:solidFill>
+                  <a:schemeClr val="tx1"/>
+                </a:solidFill>
+              </a:rPr>
+              <a:t> – Creating a base XG boost model and predict Y. Obtain Root Mean Square Error (RMSE) and r2</a:t>
+            </a:r>
+          </a:p>
+        </p:txBody>
+      </p:sp>
+      <p:sp>
+        <p:nvSpPr>
+          <p:cNvPr id="29" name="Freeform: Shape 28">
+            <a:extLst>
+              <a:ext uri="{FF2B5EF4-FFF2-40B4-BE49-F238E27FC236}">
+                <a16:creationId xmlns:a16="http://schemas.microsoft.com/office/drawing/2014/main" id="{CC082855-0F08-43EA-B263-25A0DB88F36C}"/>
+              </a:ext>
+            </a:extLst>
+          </p:cNvPr>
+          <p:cNvSpPr/>
+          <p:nvPr/>
+        </p:nvSpPr>
+        <p:spPr>
+          <a:xfrm>
+            <a:off x="2686465" y="591637"/>
+            <a:ext cx="2166729" cy="892983"/>
+          </a:xfrm>
+          <a:custGeom>
+            <a:avLst/>
+            <a:gdLst>
+              <a:gd name="connsiteX0" fmla="*/ 0 w 2357070"/>
+              <a:gd name="connsiteY0" fmla="*/ 275034 h 1649872"/>
+              <a:gd name="connsiteX1" fmla="*/ 275034 w 2357070"/>
+              <a:gd name="connsiteY1" fmla="*/ 0 h 1649872"/>
+              <a:gd name="connsiteX2" fmla="*/ 2082036 w 2357070"/>
+              <a:gd name="connsiteY2" fmla="*/ 0 h 1649872"/>
+              <a:gd name="connsiteX3" fmla="*/ 2357070 w 2357070"/>
+              <a:gd name="connsiteY3" fmla="*/ 275034 h 1649872"/>
+              <a:gd name="connsiteX4" fmla="*/ 2357070 w 2357070"/>
+              <a:gd name="connsiteY4" fmla="*/ 1374838 h 1649872"/>
+              <a:gd name="connsiteX5" fmla="*/ 2082036 w 2357070"/>
+              <a:gd name="connsiteY5" fmla="*/ 1649872 h 1649872"/>
+              <a:gd name="connsiteX6" fmla="*/ 275034 w 2357070"/>
+              <a:gd name="connsiteY6" fmla="*/ 1649872 h 1649872"/>
+              <a:gd name="connsiteX7" fmla="*/ 0 w 2357070"/>
+              <a:gd name="connsiteY7" fmla="*/ 1374838 h 1649872"/>
+              <a:gd name="connsiteX8" fmla="*/ 0 w 2357070"/>
+              <a:gd name="connsiteY8" fmla="*/ 275034 h 1649872"/>
+            </a:gdLst>
+            <a:ahLst/>
+            <a:cxnLst>
+              <a:cxn ang="0">
+                <a:pos x="connsiteX0" y="connsiteY0"/>
+              </a:cxn>
+              <a:cxn ang="0">
+                <a:pos x="connsiteX1" y="connsiteY1"/>
+              </a:cxn>
+              <a:cxn ang="0">
+                <a:pos x="connsiteX2" y="connsiteY2"/>
+              </a:cxn>
+              <a:cxn ang="0">
+                <a:pos x="connsiteX3" y="connsiteY3"/>
+              </a:cxn>
+              <a:cxn ang="0">
+                <a:pos x="connsiteX4" y="connsiteY4"/>
+              </a:cxn>
+              <a:cxn ang="0">
+                <a:pos x="connsiteX5" y="connsiteY5"/>
+              </a:cxn>
+              <a:cxn ang="0">
+                <a:pos x="connsiteX6" y="connsiteY6"/>
+              </a:cxn>
+              <a:cxn ang="0">
+                <a:pos x="connsiteX7" y="connsiteY7"/>
+              </a:cxn>
+              <a:cxn ang="0">
+                <a:pos x="connsiteX8" y="connsiteY8"/>
+              </a:cxn>
+            </a:cxnLst>
+            <a:rect l="l" t="t" r="r" b="b"/>
+            <a:pathLst>
+              <a:path w="2357070" h="1649872">
+                <a:moveTo>
+                  <a:pt x="0" y="275034"/>
+                </a:moveTo>
+                <a:cubicBezTo>
+                  <a:pt x="0" y="123137"/>
+                  <a:pt x="123137" y="0"/>
+                  <a:pt x="275034" y="0"/>
+                </a:cubicBezTo>
+                <a:lnTo>
+                  <a:pt x="2082036" y="0"/>
+                </a:lnTo>
+                <a:cubicBezTo>
+                  <a:pt x="2233933" y="0"/>
+                  <a:pt x="2357070" y="123137"/>
+                  <a:pt x="2357070" y="275034"/>
+                </a:cubicBezTo>
+                <a:lnTo>
+                  <a:pt x="2357070" y="1374838"/>
+                </a:lnTo>
+                <a:cubicBezTo>
+                  <a:pt x="2357070" y="1526735"/>
+                  <a:pt x="2233933" y="1649872"/>
+                  <a:pt x="2082036" y="1649872"/>
+                </a:cubicBezTo>
+                <a:lnTo>
+                  <a:pt x="275034" y="1649872"/>
+                </a:lnTo>
+                <a:cubicBezTo>
+                  <a:pt x="123137" y="1649872"/>
+                  <a:pt x="0" y="1526735"/>
+                  <a:pt x="0" y="1374838"/>
+                </a:cubicBezTo>
+                <a:lnTo>
+                  <a:pt x="0" y="275034"/>
+                </a:lnTo>
+                <a:close/>
+              </a:path>
+            </a:pathLst>
+          </a:custGeom>
+          <a:noFill/>
+          <a:ln>
+            <a:solidFill>
+              <a:schemeClr val="accent1"/>
+            </a:solidFill>
+          </a:ln>
+        </p:spPr>
+        <p:style>
+          <a:lnRef idx="2">
+            <a:schemeClr val="lt1">
+              <a:hueOff val="0"/>
+              <a:satOff val="0"/>
+              <a:lumOff val="0"/>
+              <a:alphaOff val="0"/>
+            </a:schemeClr>
+          </a:lnRef>
+          <a:fillRef idx="1">
+            <a:schemeClr val="accent1">
+              <a:hueOff val="0"/>
+              <a:satOff val="0"/>
+              <a:lumOff val="0"/>
+              <a:alphaOff val="0"/>
+            </a:schemeClr>
+          </a:fillRef>
+          <a:effectRef idx="0">
+            <a:schemeClr val="accent1">
+              <a:hueOff val="0"/>
+              <a:satOff val="0"/>
+              <a:lumOff val="0"/>
+              <a:alphaOff val="0"/>
+            </a:schemeClr>
+          </a:effectRef>
+          <a:fontRef idx="minor">
+            <a:schemeClr val="lt1"/>
+          </a:fontRef>
+        </p:style>
+        <p:txBody>
+          <a:bodyPr spcFirstLastPara="0" vert="horz" wrap="square" lIns="133895" tIns="133895" rIns="133895" bIns="133895" numCol="1" spcCol="1270" anchor="ctr" anchorCtr="0">
+            <a:noAutofit/>
+          </a:bodyPr>
+          <a:lstStyle/>
+          <a:p>
+            <a:pPr defTabSz="622300">
+              <a:lnSpc>
+                <a:spcPct val="90000"/>
+              </a:lnSpc>
+              <a:spcBef>
+                <a:spcPct val="0"/>
+              </a:spcBef>
+              <a:spcAft>
+                <a:spcPct val="35000"/>
+              </a:spcAft>
+            </a:pPr>
+            <a:r>
+              <a:rPr lang="en-US" sz="1200" b="1" dirty="0">
+                <a:solidFill>
+                  <a:schemeClr val="tx1"/>
+                </a:solidFill>
+              </a:rPr>
+              <a:t>Step2</a:t>
+            </a:r>
+            <a:r>
+              <a:rPr lang="en-US" sz="1200" dirty="0">
+                <a:solidFill>
+                  <a:schemeClr val="tx1"/>
+                </a:solidFill>
+              </a:rPr>
+              <a:t> – Fine Tune model using </a:t>
+            </a:r>
+            <a:r>
+              <a:rPr lang="en-US" sz="1200" dirty="0" err="1">
+                <a:solidFill>
+                  <a:schemeClr val="tx1"/>
+                </a:solidFill>
+              </a:rPr>
+              <a:t>GridsearchCV</a:t>
+            </a:r>
+            <a:r>
+              <a:rPr lang="en-US" sz="1200" dirty="0">
+                <a:solidFill>
+                  <a:schemeClr val="tx1"/>
+                </a:solidFill>
+              </a:rPr>
+              <a:t> to determine optimum hyper-parameters for the best r2 score</a:t>
+            </a:r>
+          </a:p>
+        </p:txBody>
+      </p:sp>
+      <p:sp>
+        <p:nvSpPr>
+          <p:cNvPr id="31" name="Freeform: Shape 30">
+            <a:extLst>
+              <a:ext uri="{FF2B5EF4-FFF2-40B4-BE49-F238E27FC236}">
+                <a16:creationId xmlns:a16="http://schemas.microsoft.com/office/drawing/2014/main" id="{3F86357A-FC59-4E64-A550-D98A57AF9CF9}"/>
+              </a:ext>
+            </a:extLst>
+          </p:cNvPr>
+          <p:cNvSpPr/>
+          <p:nvPr/>
+        </p:nvSpPr>
+        <p:spPr>
+          <a:xfrm>
+            <a:off x="5144329" y="591616"/>
+            <a:ext cx="2166729" cy="892983"/>
+          </a:xfrm>
+          <a:custGeom>
+            <a:avLst/>
+            <a:gdLst>
+              <a:gd name="connsiteX0" fmla="*/ 0 w 2357070"/>
+              <a:gd name="connsiteY0" fmla="*/ 275034 h 1649872"/>
+              <a:gd name="connsiteX1" fmla="*/ 275034 w 2357070"/>
+              <a:gd name="connsiteY1" fmla="*/ 0 h 1649872"/>
+              <a:gd name="connsiteX2" fmla="*/ 2082036 w 2357070"/>
+              <a:gd name="connsiteY2" fmla="*/ 0 h 1649872"/>
+              <a:gd name="connsiteX3" fmla="*/ 2357070 w 2357070"/>
+              <a:gd name="connsiteY3" fmla="*/ 275034 h 1649872"/>
+              <a:gd name="connsiteX4" fmla="*/ 2357070 w 2357070"/>
+              <a:gd name="connsiteY4" fmla="*/ 1374838 h 1649872"/>
+              <a:gd name="connsiteX5" fmla="*/ 2082036 w 2357070"/>
+              <a:gd name="connsiteY5" fmla="*/ 1649872 h 1649872"/>
+              <a:gd name="connsiteX6" fmla="*/ 275034 w 2357070"/>
+              <a:gd name="connsiteY6" fmla="*/ 1649872 h 1649872"/>
+              <a:gd name="connsiteX7" fmla="*/ 0 w 2357070"/>
+              <a:gd name="connsiteY7" fmla="*/ 1374838 h 1649872"/>
+              <a:gd name="connsiteX8" fmla="*/ 0 w 2357070"/>
+              <a:gd name="connsiteY8" fmla="*/ 275034 h 1649872"/>
+            </a:gdLst>
+            <a:ahLst/>
+            <a:cxnLst>
+              <a:cxn ang="0">
+                <a:pos x="connsiteX0" y="connsiteY0"/>
+              </a:cxn>
+              <a:cxn ang="0">
+                <a:pos x="connsiteX1" y="connsiteY1"/>
+              </a:cxn>
+              <a:cxn ang="0">
+                <a:pos x="connsiteX2" y="connsiteY2"/>
+              </a:cxn>
+              <a:cxn ang="0">
+                <a:pos x="connsiteX3" y="connsiteY3"/>
+              </a:cxn>
+              <a:cxn ang="0">
+                <a:pos x="connsiteX4" y="connsiteY4"/>
+              </a:cxn>
+              <a:cxn ang="0">
+                <a:pos x="connsiteX5" y="connsiteY5"/>
+              </a:cxn>
+              <a:cxn ang="0">
+                <a:pos x="connsiteX6" y="connsiteY6"/>
+              </a:cxn>
+              <a:cxn ang="0">
+                <a:pos x="connsiteX7" y="connsiteY7"/>
+              </a:cxn>
+              <a:cxn ang="0">
+                <a:pos x="connsiteX8" y="connsiteY8"/>
+              </a:cxn>
+            </a:cxnLst>
+            <a:rect l="l" t="t" r="r" b="b"/>
+            <a:pathLst>
+              <a:path w="2357070" h="1649872">
+                <a:moveTo>
+                  <a:pt x="0" y="275034"/>
+                </a:moveTo>
+                <a:cubicBezTo>
+                  <a:pt x="0" y="123137"/>
+                  <a:pt x="123137" y="0"/>
+                  <a:pt x="275034" y="0"/>
+                </a:cubicBezTo>
+                <a:lnTo>
+                  <a:pt x="2082036" y="0"/>
+                </a:lnTo>
+                <a:cubicBezTo>
+                  <a:pt x="2233933" y="0"/>
+                  <a:pt x="2357070" y="123137"/>
+                  <a:pt x="2357070" y="275034"/>
+                </a:cubicBezTo>
+                <a:lnTo>
+                  <a:pt x="2357070" y="1374838"/>
+                </a:lnTo>
+                <a:cubicBezTo>
+                  <a:pt x="2357070" y="1526735"/>
+                  <a:pt x="2233933" y="1649872"/>
+                  <a:pt x="2082036" y="1649872"/>
+                </a:cubicBezTo>
+                <a:lnTo>
+                  <a:pt x="275034" y="1649872"/>
+                </a:lnTo>
+                <a:cubicBezTo>
+                  <a:pt x="123137" y="1649872"/>
+                  <a:pt x="0" y="1526735"/>
+                  <a:pt x="0" y="1374838"/>
+                </a:cubicBezTo>
+                <a:lnTo>
+                  <a:pt x="0" y="275034"/>
+                </a:lnTo>
+                <a:close/>
+              </a:path>
+            </a:pathLst>
+          </a:custGeom>
+          <a:noFill/>
+          <a:ln>
+            <a:solidFill>
+              <a:schemeClr val="accent1"/>
+            </a:solidFill>
+          </a:ln>
+        </p:spPr>
+        <p:style>
+          <a:lnRef idx="2">
+            <a:schemeClr val="lt1">
+              <a:hueOff val="0"/>
+              <a:satOff val="0"/>
+              <a:lumOff val="0"/>
+              <a:alphaOff val="0"/>
+            </a:schemeClr>
+          </a:lnRef>
+          <a:fillRef idx="1">
+            <a:schemeClr val="accent1">
+              <a:hueOff val="0"/>
+              <a:satOff val="0"/>
+              <a:lumOff val="0"/>
+              <a:alphaOff val="0"/>
+            </a:schemeClr>
+          </a:fillRef>
+          <a:effectRef idx="0">
+            <a:schemeClr val="accent1">
+              <a:hueOff val="0"/>
+              <a:satOff val="0"/>
+              <a:lumOff val="0"/>
+              <a:alphaOff val="0"/>
+            </a:schemeClr>
+          </a:effectRef>
+          <a:fontRef idx="minor">
+            <a:schemeClr val="lt1"/>
+          </a:fontRef>
+        </p:style>
+        <p:txBody>
+          <a:bodyPr spcFirstLastPara="0" vert="horz" wrap="square" lIns="133895" tIns="133895" rIns="133895" bIns="133895" numCol="1" spcCol="1270" anchor="ctr" anchorCtr="0">
+            <a:noAutofit/>
+          </a:bodyPr>
+          <a:lstStyle/>
+          <a:p>
+            <a:pPr marL="0" lvl="0" indent="0" algn="l" defTabSz="622300">
+              <a:lnSpc>
+                <a:spcPct val="90000"/>
+              </a:lnSpc>
+              <a:spcBef>
+                <a:spcPct val="0"/>
+              </a:spcBef>
+              <a:spcAft>
+                <a:spcPct val="35000"/>
+              </a:spcAft>
+              <a:buNone/>
+            </a:pPr>
+            <a:r>
+              <a:rPr lang="en-US" sz="1200" b="1" kern="1200" dirty="0">
+                <a:solidFill>
+                  <a:schemeClr val="tx1"/>
+                </a:solidFill>
+              </a:rPr>
+              <a:t>Step3</a:t>
+            </a:r>
+            <a:r>
+              <a:rPr lang="en-US" sz="1200" kern="1200" dirty="0">
+                <a:solidFill>
+                  <a:schemeClr val="tx1"/>
+                </a:solidFill>
+              </a:rPr>
+              <a:t> – Finalize model by comparing r2 scores against base and fine </a:t>
+            </a:r>
+            <a:r>
+              <a:rPr lang="en-US" sz="1200" dirty="0">
+                <a:solidFill>
+                  <a:schemeClr val="tx1"/>
+                </a:solidFill>
+              </a:rPr>
+              <a:t>tuned</a:t>
+            </a:r>
+            <a:r>
+              <a:rPr lang="en-US" sz="1200" kern="1200" dirty="0">
+                <a:solidFill>
+                  <a:schemeClr val="tx1"/>
+                </a:solidFill>
+              </a:rPr>
+              <a:t> models</a:t>
+            </a:r>
+          </a:p>
+        </p:txBody>
+      </p:sp>
+      <p:graphicFrame>
+        <p:nvGraphicFramePr>
+          <p:cNvPr id="37" name="Table 36">
+            <a:extLst>
+              <a:ext uri="{FF2B5EF4-FFF2-40B4-BE49-F238E27FC236}">
+                <a16:creationId xmlns:a16="http://schemas.microsoft.com/office/drawing/2014/main" id="{A8BDD122-C0F0-4FDB-8714-C90A322FF873}"/>
+              </a:ext>
+            </a:extLst>
+          </p:cNvPr>
+          <p:cNvGraphicFramePr>
+            <a:graphicFrameLocks noGrp="1"/>
+          </p:cNvGraphicFramePr>
+          <p:nvPr>
+            <p:extLst/>
+          </p:nvPr>
+        </p:nvGraphicFramePr>
+        <p:xfrm>
+          <a:off x="424073" y="1954504"/>
+          <a:ext cx="8252788" cy="1524186"/>
+        </p:xfrm>
+        <a:graphic>
+          <a:graphicData uri="http://schemas.openxmlformats.org/drawingml/2006/table">
+            <a:tbl>
+              <a:tblPr firstRow="1" bandRow="1">
+                <a:tableStyleId>{3B4B98B0-60AC-42C2-AFA5-B58CD77FA1E5}</a:tableStyleId>
+              </a:tblPr>
+              <a:tblGrid>
+                <a:gridCol w="1373287">
+                  <a:extLst>
+                    <a:ext uri="{9D8B030D-6E8A-4147-A177-3AD203B41FA5}">
+                      <a16:colId xmlns:a16="http://schemas.microsoft.com/office/drawing/2014/main" val="1628376606"/>
+                    </a:ext>
+                  </a:extLst>
+                </a:gridCol>
+                <a:gridCol w="1208153">
+                  <a:extLst>
+                    <a:ext uri="{9D8B030D-6E8A-4147-A177-3AD203B41FA5}">
+                      <a16:colId xmlns:a16="http://schemas.microsoft.com/office/drawing/2014/main" val="3537171461"/>
+                    </a:ext>
+                  </a:extLst>
+                </a:gridCol>
+                <a:gridCol w="1864374">
+                  <a:extLst>
+                    <a:ext uri="{9D8B030D-6E8A-4147-A177-3AD203B41FA5}">
+                      <a16:colId xmlns:a16="http://schemas.microsoft.com/office/drawing/2014/main" val="992476981"/>
+                    </a:ext>
+                  </a:extLst>
+                </a:gridCol>
+                <a:gridCol w="1694885">
+                  <a:extLst>
+                    <a:ext uri="{9D8B030D-6E8A-4147-A177-3AD203B41FA5}">
+                      <a16:colId xmlns:a16="http://schemas.microsoft.com/office/drawing/2014/main" val="2534363247"/>
+                    </a:ext>
+                  </a:extLst>
+                </a:gridCol>
+                <a:gridCol w="2112089">
+                  <a:extLst>
+                    <a:ext uri="{9D8B030D-6E8A-4147-A177-3AD203B41FA5}">
+                      <a16:colId xmlns:a16="http://schemas.microsoft.com/office/drawing/2014/main" val="1310188564"/>
+                    </a:ext>
+                  </a:extLst>
+                </a:gridCol>
+              </a:tblGrid>
+              <a:tr h="914512">
+                <a:tc>
+                  <a:txBody>
+                    <a:bodyPr/>
+                    <a:lstStyle/>
+                    <a:p>
+                      <a:r>
+                        <a:rPr lang="en-US" sz="1600" dirty="0"/>
+                        <a:t>RESULTS for $</a:t>
+                      </a:r>
+                      <a:endParaRPr lang="en-US" sz="1600" dirty="0">
+                        <a:solidFill>
+                          <a:schemeClr val="tx1"/>
+                        </a:solidFill>
+                      </a:endParaRPr>
+                    </a:p>
+                  </a:txBody>
+                  <a:tcPr/>
+                </a:tc>
+                <a:tc>
+                  <a:txBody>
+                    <a:bodyPr/>
+                    <a:lstStyle/>
+                    <a:p>
+                      <a:r>
+                        <a:rPr lang="en-US" sz="1200" dirty="0"/>
+                        <a:t>Base Model</a:t>
+                      </a:r>
+                    </a:p>
+                  </a:txBody>
+                  <a:tcPr>
+                    <a:solidFill>
+                      <a:schemeClr val="bg2"/>
+                    </a:solidFill>
+                  </a:tcPr>
+                </a:tc>
+                <a:tc>
+                  <a:txBody>
+                    <a:bodyPr/>
+                    <a:lstStyle/>
+                    <a:p>
+                      <a:r>
+                        <a:rPr lang="en-US" sz="1200" dirty="0"/>
+                        <a:t>After 1</a:t>
+                      </a:r>
+                      <a:r>
+                        <a:rPr lang="en-US" sz="1200" baseline="30000" dirty="0"/>
+                        <a:t>st</a:t>
+                      </a:r>
+                      <a:r>
+                        <a:rPr lang="en-US" sz="1200" dirty="0"/>
+                        <a:t> Tuning</a:t>
+                      </a:r>
+                    </a:p>
+                    <a:p>
+                      <a:r>
+                        <a:rPr lang="en-US" sz="1200" dirty="0"/>
+                        <a:t>(</a:t>
+                      </a:r>
+                      <a:r>
+                        <a:rPr lang="en-US" sz="1200" dirty="0" err="1"/>
+                        <a:t>n_estimators</a:t>
+                      </a:r>
+                      <a:r>
+                        <a:rPr lang="en-US" sz="1200" dirty="0"/>
+                        <a:t>)</a:t>
+                      </a:r>
+                    </a:p>
+                  </a:txBody>
+                  <a:tcPr>
+                    <a:solidFill>
+                      <a:schemeClr val="bg2"/>
+                    </a:solidFill>
+                  </a:tcPr>
+                </a:tc>
+                <a:tc>
+                  <a:txBody>
+                    <a:bodyPr/>
+                    <a:lstStyle/>
+                    <a:p>
+                      <a:r>
+                        <a:rPr lang="en-US" sz="1200" dirty="0"/>
+                        <a:t>After 2</a:t>
+                      </a:r>
+                      <a:r>
+                        <a:rPr lang="en-US" sz="1200" baseline="30000" dirty="0"/>
+                        <a:t>nd</a:t>
+                      </a:r>
+                      <a:r>
+                        <a:rPr lang="en-US" sz="1200" dirty="0"/>
+                        <a:t> Tuning</a:t>
+                      </a:r>
+                    </a:p>
+                    <a:p>
+                      <a:r>
+                        <a:rPr lang="en-US" sz="1200" dirty="0"/>
+                        <a:t>(</a:t>
+                      </a:r>
+                      <a:r>
+                        <a:rPr lang="en-US" sz="1200" dirty="0" err="1"/>
+                        <a:t>learning_rate</a:t>
+                      </a:r>
+                      <a:r>
+                        <a:rPr lang="en-US" sz="1200" dirty="0"/>
+                        <a:t> &amp; alpha)</a:t>
+                      </a:r>
+                    </a:p>
+                  </a:txBody>
+                  <a:tcPr>
+                    <a:solidFill>
+                      <a:schemeClr val="bg2"/>
+                    </a:solidFill>
+                  </a:tcPr>
+                </a:tc>
+                <a:tc>
+                  <a:txBody>
+                    <a:bodyPr/>
+                    <a:lstStyle/>
+                    <a:p>
+                      <a:r>
+                        <a:rPr lang="en-US" sz="1200" dirty="0"/>
+                        <a:t>Final Tuning (</a:t>
+                      </a:r>
+                      <a:r>
+                        <a:rPr lang="en-US" sz="1200" dirty="0" err="1"/>
+                        <a:t>max_depth</a:t>
+                      </a:r>
+                      <a:r>
+                        <a:rPr lang="en-US" sz="1200" dirty="0"/>
+                        <a:t> &amp; </a:t>
+                      </a:r>
+                      <a:r>
+                        <a:rPr lang="en-US" sz="1200" dirty="0" err="1"/>
+                        <a:t>min_child_weight</a:t>
+                      </a:r>
+                      <a:r>
+                        <a:rPr lang="en-US" sz="1200" dirty="0"/>
+                        <a:t>)</a:t>
+                      </a:r>
+                    </a:p>
+                  </a:txBody>
+                  <a:tcPr>
+                    <a:solidFill>
+                      <a:schemeClr val="bg2"/>
+                    </a:solidFill>
+                  </a:tcPr>
+                </a:tc>
+                <a:extLst>
+                  <a:ext uri="{0D108BD9-81ED-4DB2-BD59-A6C34878D82A}">
+                    <a16:rowId xmlns:a16="http://schemas.microsoft.com/office/drawing/2014/main" val="1637909296"/>
+                  </a:ext>
+                </a:extLst>
+              </a:tr>
+              <a:tr h="304837">
+                <a:tc>
+                  <a:txBody>
+                    <a:bodyPr/>
+                    <a:lstStyle/>
+                    <a:p>
+                      <a:r>
+                        <a:rPr lang="en-US" sz="1200" dirty="0"/>
+                        <a:t>Test RMSE</a:t>
+                      </a:r>
+                    </a:p>
+                  </a:txBody>
+                  <a:tcPr/>
+                </a:tc>
+                <a:tc>
+                  <a:txBody>
+                    <a:bodyPr/>
+                    <a:lstStyle/>
+                    <a:p>
+                      <a:r>
+                        <a:rPr lang="en-US" sz="1200" dirty="0"/>
+                        <a:t>578.14</a:t>
+                      </a:r>
+                    </a:p>
+                  </a:txBody>
+                  <a:tcPr/>
+                </a:tc>
+                <a:tc>
+                  <a:txBody>
+                    <a:bodyPr/>
+                    <a:lstStyle/>
+                    <a:p>
+                      <a:r>
+                        <a:rPr lang="en-US" sz="1200" dirty="0"/>
+                        <a:t>478.54</a:t>
+                      </a:r>
+                    </a:p>
+                  </a:txBody>
+                  <a:tcPr/>
+                </a:tc>
+                <a:tc>
+                  <a:txBody>
+                    <a:bodyPr/>
+                    <a:lstStyle/>
+                    <a:p>
+                      <a:r>
+                        <a:rPr lang="en-US" sz="1200" dirty="0"/>
+                        <a:t>464.93</a:t>
+                      </a:r>
+                    </a:p>
+                  </a:txBody>
+                  <a:tcPr/>
+                </a:tc>
+                <a:tc>
+                  <a:txBody>
+                    <a:bodyPr/>
+                    <a:lstStyle/>
+                    <a:p>
+                      <a:r>
+                        <a:rPr lang="en-US" sz="1200" dirty="0"/>
+                        <a:t>459.51</a:t>
+                      </a:r>
+                    </a:p>
+                  </a:txBody>
+                  <a:tcPr/>
+                </a:tc>
+                <a:extLst>
+                  <a:ext uri="{0D108BD9-81ED-4DB2-BD59-A6C34878D82A}">
+                    <a16:rowId xmlns:a16="http://schemas.microsoft.com/office/drawing/2014/main" val="3035129995"/>
+                  </a:ext>
+                </a:extLst>
+              </a:tr>
+              <a:tr h="304837">
+                <a:tc>
+                  <a:txBody>
+                    <a:bodyPr/>
+                    <a:lstStyle/>
+                    <a:p>
+                      <a:r>
+                        <a:rPr lang="en-US" sz="1200" dirty="0"/>
+                        <a:t>Test r</a:t>
+                      </a:r>
+                      <a:r>
+                        <a:rPr lang="en-US" sz="1200" baseline="30000" dirty="0"/>
+                        <a:t>2</a:t>
+                      </a:r>
+                    </a:p>
+                  </a:txBody>
+                  <a:tcPr/>
+                </a:tc>
+                <a:tc>
+                  <a:txBody>
+                    <a:bodyPr/>
+                    <a:lstStyle/>
+                    <a:p>
+                      <a:r>
+                        <a:rPr lang="en-US" sz="1200" dirty="0"/>
+                        <a:t>74.3%</a:t>
+                      </a:r>
+                    </a:p>
+                  </a:txBody>
+                  <a:tcPr/>
+                </a:tc>
+                <a:tc>
+                  <a:txBody>
+                    <a:bodyPr/>
+                    <a:lstStyle/>
+                    <a:p>
+                      <a:r>
+                        <a:rPr lang="en-US" sz="1200" dirty="0"/>
+                        <a:t>82.39%</a:t>
+                      </a:r>
+                    </a:p>
+                  </a:txBody>
+                  <a:tcPr/>
+                </a:tc>
+                <a:tc>
+                  <a:txBody>
+                    <a:bodyPr/>
+                    <a:lstStyle/>
+                    <a:p>
+                      <a:r>
+                        <a:rPr lang="en-US" sz="1200" dirty="0"/>
+                        <a:t>83.38%</a:t>
+                      </a:r>
+                    </a:p>
+                  </a:txBody>
+                  <a:tcPr/>
+                </a:tc>
+                <a:tc>
+                  <a:txBody>
+                    <a:bodyPr/>
+                    <a:lstStyle/>
+                    <a:p>
+                      <a:r>
+                        <a:rPr lang="en-US" sz="1200" dirty="0"/>
+                        <a:t>83.77%</a:t>
+                      </a:r>
+                    </a:p>
+                  </a:txBody>
+                  <a:tcPr/>
+                </a:tc>
+                <a:extLst>
+                  <a:ext uri="{0D108BD9-81ED-4DB2-BD59-A6C34878D82A}">
+                    <a16:rowId xmlns:a16="http://schemas.microsoft.com/office/drawing/2014/main" val="3998100381"/>
+                  </a:ext>
+                </a:extLst>
+              </a:tr>
+            </a:tbl>
+          </a:graphicData>
+        </a:graphic>
+      </p:graphicFrame>
+      <p:pic>
+        <p:nvPicPr>
+          <p:cNvPr id="38" name="Picture 37">
+            <a:extLst>
+              <a:ext uri="{FF2B5EF4-FFF2-40B4-BE49-F238E27FC236}">
+                <a16:creationId xmlns:a16="http://schemas.microsoft.com/office/drawing/2014/main" id="{D5AEE1DA-1612-4DBF-AFB3-A2570531A161}"/>
+              </a:ext>
+            </a:extLst>
+          </p:cNvPr>
+          <p:cNvPicPr>
+            <a:picLocks noChangeAspect="1"/>
+          </p:cNvPicPr>
+          <p:nvPr/>
+        </p:nvPicPr>
+        <p:blipFill>
+          <a:blip r:embed="rId2"/>
+          <a:stretch>
+            <a:fillRect/>
+          </a:stretch>
+        </p:blipFill>
+        <p:spPr>
+          <a:xfrm>
+            <a:off x="2307538" y="3693286"/>
+            <a:ext cx="4774717" cy="2975870"/>
+          </a:xfrm>
+          <a:prstGeom prst="rect">
+            <a:avLst/>
+          </a:prstGeom>
+        </p:spPr>
+      </p:pic>
+      <p:sp>
+        <p:nvSpPr>
+          <p:cNvPr id="40" name="Arrow: Right 39">
+            <a:extLst>
+              <a:ext uri="{FF2B5EF4-FFF2-40B4-BE49-F238E27FC236}">
+                <a16:creationId xmlns:a16="http://schemas.microsoft.com/office/drawing/2014/main" id="{DE470760-77B6-4DA0-BFE4-61CBDABB9866}"/>
+              </a:ext>
+            </a:extLst>
+          </p:cNvPr>
+          <p:cNvSpPr/>
+          <p:nvPr/>
+        </p:nvSpPr>
+        <p:spPr>
+          <a:xfrm>
+            <a:off x="2395330" y="924339"/>
+            <a:ext cx="291135" cy="168965"/>
+          </a:xfrm>
+          <a:prstGeom prst="rightArrow">
+            <a:avLst/>
+          </a:prstGeom>
+        </p:spPr>
+        <p:style>
+          <a:lnRef idx="2">
+            <a:schemeClr val="accent1">
+              <a:shade val="50000"/>
+            </a:schemeClr>
+          </a:lnRef>
+          <a:fillRef idx="1">
+            <a:schemeClr val="accent1"/>
+          </a:fillRef>
+          <a:effectRef idx="0">
+            <a:schemeClr val="accent1"/>
+          </a:effectRef>
+          <a:fontRef idx="minor">
+            <a:schemeClr val="lt1"/>
+          </a:fontRef>
+        </p:style>
+        <p:txBody>
+          <a:bodyPr rtlCol="0" anchor="ctr"/>
+          <a:lstStyle/>
+          <a:p>
+            <a:pPr algn="ctr"/>
+            <a:endParaRPr lang="en-US"/>
+          </a:p>
+        </p:txBody>
+      </p:sp>
+      <p:sp>
+        <p:nvSpPr>
+          <p:cNvPr id="41" name="Arrow: Right 40">
+            <a:extLst>
+              <a:ext uri="{FF2B5EF4-FFF2-40B4-BE49-F238E27FC236}">
+                <a16:creationId xmlns:a16="http://schemas.microsoft.com/office/drawing/2014/main" id="{D9F80517-458A-487B-98D3-5A87E9DE1DE3}"/>
+              </a:ext>
+            </a:extLst>
+          </p:cNvPr>
+          <p:cNvSpPr/>
+          <p:nvPr/>
+        </p:nvSpPr>
+        <p:spPr>
+          <a:xfrm>
+            <a:off x="4853194" y="924339"/>
+            <a:ext cx="291135" cy="168965"/>
+          </a:xfrm>
+          <a:prstGeom prst="rightArrow">
+            <a:avLst/>
+          </a:prstGeom>
+        </p:spPr>
+        <p:style>
+          <a:lnRef idx="2">
+            <a:schemeClr val="accent1">
+              <a:shade val="50000"/>
+            </a:schemeClr>
+          </a:lnRef>
+          <a:fillRef idx="1">
+            <a:schemeClr val="accent1"/>
+          </a:fillRef>
+          <a:effectRef idx="0">
+            <a:schemeClr val="accent1"/>
+          </a:effectRef>
+          <a:fontRef idx="minor">
+            <a:schemeClr val="lt1"/>
+          </a:fontRef>
+        </p:style>
+        <p:txBody>
+          <a:bodyPr rtlCol="0" anchor="ctr"/>
+          <a:lstStyle/>
+          <a:p>
+            <a:pPr algn="ctr"/>
+            <a:endParaRPr lang="en-US"/>
+          </a:p>
+        </p:txBody>
+      </p:sp>
+    </p:spTree>
+    <p:extLst>
+      <p:ext uri="{BB962C8B-B14F-4D97-AF65-F5344CB8AC3E}">
+        <p14:creationId xmlns:p14="http://schemas.microsoft.com/office/powerpoint/2010/main" val="2109592833"/>
+      </p:ext>
+    </p:extLst>
+  </p:cSld>
+  <p:clrMapOvr>
+    <a:masterClrMapping/>
+  </p:clrMapOvr>
+</p:sld>
+</file>
+
 <file path=ppt/theme/theme1.xml><?xml version="1.0" encoding="utf-8"?>
 <a:theme xmlns:a="http://schemas.openxmlformats.org/drawingml/2006/main" name="Facet">
   <a:themeElements>
